--- a/Final Project/Infographics.pptx
+++ b/Final Project/Infographics.pptx
@@ -1182,7 +1182,7 @@
           <a:p>
             <a:fld id="{C2F8BB9A-AB60-4AF4-9F29-61401C4572C4}" type="datetimeFigureOut">
               <a:rPr lang="en-US" smtClean="0"/>
-              <a:t>5/15/2019</a:t>
+              <a:t>5/16/2019</a:t>
             </a:fld>
             <a:endParaRPr lang="en-US"/>
           </a:p>
@@ -1352,7 +1352,7 @@
           <a:p>
             <a:fld id="{C2F8BB9A-AB60-4AF4-9F29-61401C4572C4}" type="datetimeFigureOut">
               <a:rPr lang="en-US" smtClean="0"/>
-              <a:t>5/15/2019</a:t>
+              <a:t>5/16/2019</a:t>
             </a:fld>
             <a:endParaRPr lang="en-US"/>
           </a:p>
@@ -1532,7 +1532,7 @@
           <a:p>
             <a:fld id="{C2F8BB9A-AB60-4AF4-9F29-61401C4572C4}" type="datetimeFigureOut">
               <a:rPr lang="en-US" smtClean="0"/>
-              <a:t>5/15/2019</a:t>
+              <a:t>5/16/2019</a:t>
             </a:fld>
             <a:endParaRPr lang="en-US"/>
           </a:p>
@@ -1702,7 +1702,7 @@
           <a:p>
             <a:fld id="{C2F8BB9A-AB60-4AF4-9F29-61401C4572C4}" type="datetimeFigureOut">
               <a:rPr lang="en-US" smtClean="0"/>
-              <a:t>5/15/2019</a:t>
+              <a:t>5/16/2019</a:t>
             </a:fld>
             <a:endParaRPr lang="en-US"/>
           </a:p>
@@ -1946,7 +1946,7 @@
           <a:p>
             <a:fld id="{C2F8BB9A-AB60-4AF4-9F29-61401C4572C4}" type="datetimeFigureOut">
               <a:rPr lang="en-US" smtClean="0"/>
-              <a:t>5/15/2019</a:t>
+              <a:t>5/16/2019</a:t>
             </a:fld>
             <a:endParaRPr lang="en-US"/>
           </a:p>
@@ -2178,7 +2178,7 @@
           <a:p>
             <a:fld id="{C2F8BB9A-AB60-4AF4-9F29-61401C4572C4}" type="datetimeFigureOut">
               <a:rPr lang="en-US" smtClean="0"/>
-              <a:t>5/15/2019</a:t>
+              <a:t>5/16/2019</a:t>
             </a:fld>
             <a:endParaRPr lang="en-US"/>
           </a:p>
@@ -2545,7 +2545,7 @@
           <a:p>
             <a:fld id="{C2F8BB9A-AB60-4AF4-9F29-61401C4572C4}" type="datetimeFigureOut">
               <a:rPr lang="en-US" smtClean="0"/>
-              <a:t>5/15/2019</a:t>
+              <a:t>5/16/2019</a:t>
             </a:fld>
             <a:endParaRPr lang="en-US"/>
           </a:p>
@@ -2663,7 +2663,7 @@
           <a:p>
             <a:fld id="{C2F8BB9A-AB60-4AF4-9F29-61401C4572C4}" type="datetimeFigureOut">
               <a:rPr lang="en-US" smtClean="0"/>
-              <a:t>5/15/2019</a:t>
+              <a:t>5/16/2019</a:t>
             </a:fld>
             <a:endParaRPr lang="en-US"/>
           </a:p>
@@ -2758,7 +2758,7 @@
           <a:p>
             <a:fld id="{C2F8BB9A-AB60-4AF4-9F29-61401C4572C4}" type="datetimeFigureOut">
               <a:rPr lang="en-US" smtClean="0"/>
-              <a:t>5/15/2019</a:t>
+              <a:t>5/16/2019</a:t>
             </a:fld>
             <a:endParaRPr lang="en-US"/>
           </a:p>
@@ -3035,7 +3035,7 @@
           <a:p>
             <a:fld id="{C2F8BB9A-AB60-4AF4-9F29-61401C4572C4}" type="datetimeFigureOut">
               <a:rPr lang="en-US" smtClean="0"/>
-              <a:t>5/15/2019</a:t>
+              <a:t>5/16/2019</a:t>
             </a:fld>
             <a:endParaRPr lang="en-US"/>
           </a:p>
@@ -3292,7 +3292,7 @@
           <a:p>
             <a:fld id="{C2F8BB9A-AB60-4AF4-9F29-61401C4572C4}" type="datetimeFigureOut">
               <a:rPr lang="en-US" smtClean="0"/>
-              <a:t>5/15/2019</a:t>
+              <a:t>5/16/2019</a:t>
             </a:fld>
             <a:endParaRPr lang="en-US"/>
           </a:p>
@@ -3505,7 +3505,7 @@
           <a:p>
             <a:fld id="{C2F8BB9A-AB60-4AF4-9F29-61401C4572C4}" type="datetimeFigureOut">
               <a:rPr lang="en-US" smtClean="0"/>
-              <a:t>5/15/2019</a:t>
+              <a:t>5/16/2019</a:t>
             </a:fld>
             <a:endParaRPr lang="en-US"/>
           </a:p>
@@ -3924,6 +3924,53 @@
       </p:grpSpPr>
       <p:sp>
         <p:nvSpPr>
+          <p:cNvPr id="3" name="Rectangle 2">
+            <a:extLst>
+              <a:ext uri="{FF2B5EF4-FFF2-40B4-BE49-F238E27FC236}">
+                <a16:creationId xmlns:a16="http://schemas.microsoft.com/office/drawing/2014/main" id="{F1DB1C99-EAD7-4B44-8FB5-B7C2B78C18CB}"/>
+              </a:ext>
+            </a:extLst>
+          </p:cNvPr>
+          <p:cNvSpPr/>
+          <p:nvPr/>
+        </p:nvSpPr>
+        <p:spPr>
+          <a:xfrm>
+            <a:off x="0" y="0"/>
+            <a:ext cx="9144000" cy="22832071"/>
+          </a:xfrm>
+          <a:prstGeom prst="rect">
+            <a:avLst/>
+          </a:prstGeom>
+          <a:noFill/>
+        </p:spPr>
+        <p:style>
+          <a:lnRef idx="2">
+            <a:schemeClr val="accent1">
+              <a:shade val="50000"/>
+            </a:schemeClr>
+          </a:lnRef>
+          <a:fillRef idx="1">
+            <a:schemeClr val="accent1"/>
+          </a:fillRef>
+          <a:effectRef idx="0">
+            <a:schemeClr val="accent1"/>
+          </a:effectRef>
+          <a:fontRef idx="minor">
+            <a:schemeClr val="lt1"/>
+          </a:fontRef>
+        </p:style>
+        <p:txBody>
+          <a:bodyPr rtlCol="0" anchor="ctr"/>
+          <a:lstStyle/>
+          <a:p>
+            <a:pPr algn="ctr"/>
+            <a:endParaRPr lang="en-US"/>
+          </a:p>
+        </p:txBody>
+      </p:sp>
+      <p:sp>
+        <p:nvSpPr>
           <p:cNvPr id="66" name="Rectangle 65">
             <a:extLst>
               <a:ext uri="{FF2B5EF4-FFF2-40B4-BE49-F238E27FC236}">
